--- a/My docs/Core Java/Day 6-Polymorphism.pptx
+++ b/My docs/Core Java/Day 6-Polymorphism.pptx
@@ -5,32 +5,31 @@
     <p:sldMasterId id="2147483659" r:id="rId1"/>
   </p:sldMasterIdLst>
   <p:notesMasterIdLst>
-    <p:notesMasterId r:id="rId8"/>
+    <p:notesMasterId r:id="rId7"/>
   </p:notesMasterIdLst>
   <p:sldIdLst>
     <p:sldId id="256" r:id="rId2"/>
-    <p:sldId id="282" r:id="rId3"/>
-    <p:sldId id="272" r:id="rId4"/>
-    <p:sldId id="274" r:id="rId5"/>
-    <p:sldId id="281" r:id="rId6"/>
-    <p:sldId id="283" r:id="rId7"/>
+    <p:sldId id="272" r:id="rId3"/>
+    <p:sldId id="274" r:id="rId4"/>
+    <p:sldId id="281" r:id="rId5"/>
+    <p:sldId id="283" r:id="rId6"/>
   </p:sldIdLst>
   <p:sldSz cx="9144000" cy="5143500" type="screen16x9"/>
   <p:notesSz cx="6858000" cy="9144000"/>
   <p:embeddedFontLst>
     <p:embeddedFont>
       <p:font typeface="Montserrat" panose="00000500000000000000" pitchFamily="2" charset="0"/>
-      <p:regular r:id="rId9"/>
-      <p:bold r:id="rId10"/>
-      <p:italic r:id="rId11"/>
-      <p:boldItalic r:id="rId12"/>
+      <p:regular r:id="rId8"/>
+      <p:bold r:id="rId9"/>
+      <p:italic r:id="rId10"/>
+      <p:boldItalic r:id="rId11"/>
     </p:embeddedFont>
     <p:embeddedFont>
       <p:font typeface="Roboto" panose="02000000000000000000" pitchFamily="2" charset="0"/>
-      <p:regular r:id="rId13"/>
-      <p:bold r:id="rId14"/>
-      <p:italic r:id="rId15"/>
-      <p:boldItalic r:id="rId16"/>
+      <p:regular r:id="rId12"/>
+      <p:bold r:id="rId13"/>
+      <p:italic r:id="rId14"/>
+      <p:boldItalic r:id="rId15"/>
     </p:embeddedFont>
   </p:embeddedFontLst>
   <p:defaultTextStyle>
@@ -834,133 +833,6 @@
         <p:cNvPr id="1" name="Shape 123">
           <a:extLst>
             <a:ext uri="{FF2B5EF4-FFF2-40B4-BE49-F238E27FC236}">
-              <a16:creationId xmlns:a16="http://schemas.microsoft.com/office/drawing/2014/main" id="{131AE03E-FCB6-5D64-CFE0-BF5AB5871E6C}"/>
-            </a:ext>
-          </a:extLst>
-        </p:cNvPr>
-        <p:cNvGrpSpPr/>
-        <p:nvPr/>
-      </p:nvGrpSpPr>
-      <p:grpSpPr>
-        <a:xfrm>
-          <a:off x="0" y="0"/>
-          <a:ext cx="0" cy="0"/>
-          <a:chOff x="0" y="0"/>
-          <a:chExt cx="0" cy="0"/>
-        </a:xfrm>
-      </p:grpSpPr>
-      <p:sp>
-        <p:nvSpPr>
-          <p:cNvPr id="124" name="Google Shape;124;g2ecd7211dc6_0_38:notes">
-            <a:extLst>
-              <a:ext uri="{FF2B5EF4-FFF2-40B4-BE49-F238E27FC236}">
-                <a16:creationId xmlns:a16="http://schemas.microsoft.com/office/drawing/2014/main" id="{E195905A-5CFC-D096-FB57-7C33C35ABCBC}"/>
-              </a:ext>
-            </a:extLst>
-          </p:cNvPr>
-          <p:cNvSpPr>
-            <a:spLocks noGrp="1" noRot="1" noChangeAspect="1"/>
-          </p:cNvSpPr>
-          <p:nvPr>
-            <p:ph type="sldImg" idx="2"/>
-          </p:nvPr>
-        </p:nvSpPr>
-        <p:spPr>
-          <a:xfrm>
-            <a:off x="381000" y="685800"/>
-            <a:ext cx="6096000" cy="3429000"/>
-          </a:xfrm>
-          <a:custGeom>
-            <a:avLst/>
-            <a:gdLst/>
-            <a:ahLst/>
-            <a:cxnLst/>
-            <a:rect l="l" t="t" r="r" b="b"/>
-            <a:pathLst>
-              <a:path w="120000" h="120000" extrusionOk="0">
-                <a:moveTo>
-                  <a:pt x="0" y="0"/>
-                </a:moveTo>
-                <a:lnTo>
-                  <a:pt x="120000" y="0"/>
-                </a:lnTo>
-                <a:lnTo>
-                  <a:pt x="120000" y="120000"/>
-                </a:lnTo>
-                <a:lnTo>
-                  <a:pt x="0" y="120000"/>
-                </a:lnTo>
-                <a:close/>
-              </a:path>
-            </a:pathLst>
-          </a:custGeom>
-        </p:spPr>
-      </p:sp>
-      <p:sp>
-        <p:nvSpPr>
-          <p:cNvPr id="125" name="Google Shape;125;g2ecd7211dc6_0_38:notes">
-            <a:extLst>
-              <a:ext uri="{FF2B5EF4-FFF2-40B4-BE49-F238E27FC236}">
-                <a16:creationId xmlns:a16="http://schemas.microsoft.com/office/drawing/2014/main" id="{9B119DDF-5455-42C9-E709-5F147B4F36A4}"/>
-              </a:ext>
-            </a:extLst>
-          </p:cNvPr>
-          <p:cNvSpPr txBox="1">
-            <a:spLocks noGrp="1"/>
-          </p:cNvSpPr>
-          <p:nvPr>
-            <p:ph type="body" idx="1"/>
-          </p:nvPr>
-        </p:nvSpPr>
-        <p:spPr>
-          <a:xfrm>
-            <a:off x="685800" y="4343400"/>
-            <a:ext cx="5486400" cy="4114800"/>
-          </a:xfrm>
-          <a:prstGeom prst="rect">
-            <a:avLst/>
-          </a:prstGeom>
-        </p:spPr>
-        <p:txBody>
-          <a:bodyPr spcFirstLastPara="1" wrap="square" lIns="91425" tIns="91425" rIns="91425" bIns="91425" anchor="t" anchorCtr="0">
-            <a:noAutofit/>
-          </a:bodyPr>
-          <a:lstStyle/>
-          <a:p>
-            <a:pPr marL="0" lvl="0" indent="0" algn="l" rtl="0">
-              <a:spcBef>
-                <a:spcPts val="0"/>
-              </a:spcBef>
-              <a:spcAft>
-                <a:spcPts val="0"/>
-              </a:spcAft>
-              <a:buNone/>
-            </a:pPr>
-            <a:endParaRPr/>
-          </a:p>
-        </p:txBody>
-      </p:sp>
-    </p:spTree>
-    <p:extLst>
-      <p:ext uri="{BB962C8B-B14F-4D97-AF65-F5344CB8AC3E}">
-        <p14:creationId xmlns:p14="http://schemas.microsoft.com/office/powerpoint/2010/main" val="909862590"/>
-      </p:ext>
-    </p:extLst>
-  </p:cSld>
-  <p:clrMapOvr>
-    <a:masterClrMapping/>
-  </p:clrMapOvr>
-</p:notes>
-</file>
-
-<file path=ppt/notesSlides/notesSlide3.xml><?xml version="1.0" encoding="utf-8"?>
-<p:notes xmlns:a="http://schemas.openxmlformats.org/drawingml/2006/main" xmlns:r="http://schemas.openxmlformats.org/officeDocument/2006/relationships" xmlns:p="http://schemas.openxmlformats.org/presentationml/2006/main" showMasterSp="0" showMasterPhAnim="0">
-  <p:cSld>
-    <p:spTree>
-      <p:nvGrpSpPr>
-        <p:cNvPr id="1" name="Shape 123">
-          <a:extLst>
-            <a:ext uri="{FF2B5EF4-FFF2-40B4-BE49-F238E27FC236}">
               <a16:creationId xmlns:a16="http://schemas.microsoft.com/office/drawing/2014/main" id="{50108157-73E7-1F7A-15CD-348D01B6D90C}"/>
             </a:ext>
           </a:extLst>
@@ -1080,7 +952,7 @@
 </p:notes>
 </file>
 
-<file path=ppt/notesSlides/notesSlide4.xml><?xml version="1.0" encoding="utf-8"?>
+<file path=ppt/notesSlides/notesSlide3.xml><?xml version="1.0" encoding="utf-8"?>
 <p:notes xmlns:a="http://schemas.openxmlformats.org/drawingml/2006/main" xmlns:r="http://schemas.openxmlformats.org/officeDocument/2006/relationships" xmlns:p="http://schemas.openxmlformats.org/presentationml/2006/main" showMasterSp="0" showMasterPhAnim="0">
   <p:cSld>
     <p:spTree>
@@ -1207,7 +1079,7 @@
 </p:notes>
 </file>
 
-<file path=ppt/notesSlides/notesSlide5.xml><?xml version="1.0" encoding="utf-8"?>
+<file path=ppt/notesSlides/notesSlide4.xml><?xml version="1.0" encoding="utf-8"?>
 <p:notes xmlns:a="http://schemas.openxmlformats.org/drawingml/2006/main" xmlns:r="http://schemas.openxmlformats.org/officeDocument/2006/relationships" xmlns:p="http://schemas.openxmlformats.org/presentationml/2006/main" showMasterSp="0" showMasterPhAnim="0">
   <p:cSld>
     <p:spTree>
@@ -1334,7 +1206,7 @@
 </p:notes>
 </file>
 
-<file path=ppt/notesSlides/notesSlide6.xml><?xml version="1.0" encoding="utf-8"?>
+<file path=ppt/notesSlides/notesSlide5.xml><?xml version="1.0" encoding="utf-8"?>
 <p:notes xmlns:a="http://schemas.openxmlformats.org/drawingml/2006/main" xmlns:r="http://schemas.openxmlformats.org/officeDocument/2006/relationships" xmlns:p="http://schemas.openxmlformats.org/presentationml/2006/main" showMasterSp="0" showMasterPhAnim="0">
   <p:cSld>
     <p:spTree>
@@ -6764,104 +6636,6 @@
         <p:cNvPr id="1" name="Shape 126">
           <a:extLst>
             <a:ext uri="{FF2B5EF4-FFF2-40B4-BE49-F238E27FC236}">
-              <a16:creationId xmlns:a16="http://schemas.microsoft.com/office/drawing/2014/main" id="{718E5F5A-C67C-BE8C-4EDC-F0FF79CE6107}"/>
-            </a:ext>
-          </a:extLst>
-        </p:cNvPr>
-        <p:cNvGrpSpPr/>
-        <p:nvPr/>
-      </p:nvGrpSpPr>
-      <p:grpSpPr>
-        <a:xfrm>
-          <a:off x="0" y="0"/>
-          <a:ext cx="0" cy="0"/>
-          <a:chOff x="0" y="0"/>
-          <a:chExt cx="0" cy="0"/>
-        </a:xfrm>
-      </p:grpSpPr>
-      <p:sp>
-        <p:nvSpPr>
-          <p:cNvPr id="127" name="Google Shape;127;p22">
-            <a:extLst>
-              <a:ext uri="{FF2B5EF4-FFF2-40B4-BE49-F238E27FC236}">
-                <a16:creationId xmlns:a16="http://schemas.microsoft.com/office/drawing/2014/main" id="{071A4E54-F793-4146-D999-440896259933}"/>
-              </a:ext>
-            </a:extLst>
-          </p:cNvPr>
-          <p:cNvSpPr txBox="1">
-            <a:spLocks noGrp="1"/>
-          </p:cNvSpPr>
-          <p:nvPr>
-            <p:ph type="ctrTitle"/>
-          </p:nvPr>
-        </p:nvSpPr>
-        <p:spPr>
-          <a:xfrm>
-            <a:off x="298376" y="1261731"/>
-            <a:ext cx="8222100" cy="2199982"/>
-          </a:xfrm>
-          <a:prstGeom prst="rect">
-            <a:avLst/>
-          </a:prstGeom>
-        </p:spPr>
-        <p:txBody>
-          <a:bodyPr spcFirstLastPara="1" wrap="square" lIns="91425" tIns="91425" rIns="91425" bIns="91425" anchor="ctr" anchorCtr="0">
-            <a:noAutofit/>
-          </a:bodyPr>
-          <a:lstStyle/>
-          <a:p>
-            <a:pPr marL="0" lvl="0" indent="0" algn="l" rtl="0">
-              <a:spcBef>
-                <a:spcPts val="0"/>
-              </a:spcBef>
-              <a:spcAft>
-                <a:spcPts val="0"/>
-              </a:spcAft>
-              <a:buNone/>
-            </a:pPr>
-            <a:r>
-              <a:rPr lang="en-US" dirty="0"/>
-              <a:t>Thank You!!</a:t>
-            </a:r>
-            <a:br>
-              <a:rPr lang="en-US" dirty="0"/>
-            </a:br>
-            <a:r>
-              <a:rPr lang="en-US" dirty="0"/>
-              <a:t>	We will Continue with</a:t>
-            </a:r>
-            <a:br>
-              <a:rPr lang="en-US" dirty="0"/>
-            </a:br>
-            <a:r>
-              <a:rPr lang="en-US" dirty="0"/>
-              <a:t>		OOPs</a:t>
-            </a:r>
-            <a:endParaRPr dirty="0"/>
-          </a:p>
-        </p:txBody>
-      </p:sp>
-    </p:spTree>
-    <p:extLst>
-      <p:ext uri="{BB962C8B-B14F-4D97-AF65-F5344CB8AC3E}">
-        <p14:creationId xmlns:p14="http://schemas.microsoft.com/office/powerpoint/2010/main" val="2700288713"/>
-      </p:ext>
-    </p:extLst>
-  </p:cSld>
-  <p:clrMapOvr>
-    <a:masterClrMapping/>
-  </p:clrMapOvr>
-</p:sld>
-</file>
-
-<file path=ppt/slides/slide3.xml><?xml version="1.0" encoding="utf-8"?>
-<p:sld xmlns:a="http://schemas.openxmlformats.org/drawingml/2006/main" xmlns:r="http://schemas.openxmlformats.org/officeDocument/2006/relationships" xmlns:p="http://schemas.openxmlformats.org/presentationml/2006/main">
-  <p:cSld>
-    <p:spTree>
-      <p:nvGrpSpPr>
-        <p:cNvPr id="1" name="Shape 126">
-          <a:extLst>
-            <a:ext uri="{FF2B5EF4-FFF2-40B4-BE49-F238E27FC236}">
               <a16:creationId xmlns:a16="http://schemas.microsoft.com/office/drawing/2014/main" id="{B120C1A8-6D6C-10CF-6638-895975102C05}"/>
             </a:ext>
           </a:extLst>
@@ -7308,7 +7082,7 @@
 </p:sld>
 </file>
 
-<file path=ppt/slides/slide4.xml><?xml version="1.0" encoding="utf-8"?>
+<file path=ppt/slides/slide3.xml><?xml version="1.0" encoding="utf-8"?>
 <p:sld xmlns:a="http://schemas.openxmlformats.org/drawingml/2006/main" xmlns:r="http://schemas.openxmlformats.org/officeDocument/2006/relationships" xmlns:p="http://schemas.openxmlformats.org/presentationml/2006/main">
   <p:cSld>
     <p:spTree>
@@ -7475,7 +7249,7 @@
               <a:buChar char="•"/>
             </a:pPr>
             <a:r>
-              <a:rPr lang="en-US" b="0" i="0" dirty="0">
+              <a:rPr lang="en-US" b="1" i="0" dirty="0">
                 <a:solidFill>
                   <a:srgbClr val="333333"/>
                 </a:solidFill>
@@ -7535,7 +7309,7 @@
               <a:buChar char="•"/>
             </a:pPr>
             <a:r>
-              <a:rPr lang="en-US" dirty="0">
+              <a:rPr lang="en-US" b="1" dirty="0">
                 <a:solidFill>
                   <a:srgbClr val="333333"/>
                 </a:solidFill>
@@ -7722,7 +7496,7 @@
 </p:sld>
 </file>
 
-<file path=ppt/slides/slide5.xml><?xml version="1.0" encoding="utf-8"?>
+<file path=ppt/slides/slide4.xml><?xml version="1.0" encoding="utf-8"?>
 <p:sld xmlns:a="http://schemas.openxmlformats.org/drawingml/2006/main" xmlns:r="http://schemas.openxmlformats.org/officeDocument/2006/relationships" xmlns:p="http://schemas.openxmlformats.org/presentationml/2006/main">
   <p:cSld>
     <p:spTree>
@@ -8332,7 +8106,7 @@
 </p:sld>
 </file>
 
-<file path=ppt/slides/slide6.xml><?xml version="1.0" encoding="utf-8"?>
+<file path=ppt/slides/slide5.xml><?xml version="1.0" encoding="utf-8"?>
 <p:sld xmlns:a="http://schemas.openxmlformats.org/drawingml/2006/main" xmlns:r="http://schemas.openxmlformats.org/officeDocument/2006/relationships" xmlns:p="http://schemas.openxmlformats.org/presentationml/2006/main">
   <p:cSld>
     <p:spTree>
